--- a/Documents/Presentatie/Theseus Pres.pptx
+++ b/Documents/Presentatie/Theseus Pres.pptx
@@ -243,7 +243,7 @@
           <a:p>
             <a:fld id="{266A6FFA-CCBE-43ED-9B11-EADFC1FE3F65}" type="datetimeFigureOut">
               <a:rPr lang="en-GB" smtClean="0"/>
-              <a:t>13/02/2017</a:t>
+              <a:t>14/02/2017</a:t>
             </a:fld>
             <a:endParaRPr lang="en-GB"/>
           </a:p>
@@ -413,7 +413,7 @@
           <a:p>
             <a:fld id="{266A6FFA-CCBE-43ED-9B11-EADFC1FE3F65}" type="datetimeFigureOut">
               <a:rPr lang="en-GB" smtClean="0"/>
-              <a:t>13/02/2017</a:t>
+              <a:t>14/02/2017</a:t>
             </a:fld>
             <a:endParaRPr lang="en-GB"/>
           </a:p>
@@ -593,7 +593,7 @@
           <a:p>
             <a:fld id="{266A6FFA-CCBE-43ED-9B11-EADFC1FE3F65}" type="datetimeFigureOut">
               <a:rPr lang="en-GB" smtClean="0"/>
-              <a:t>13/02/2017</a:t>
+              <a:t>14/02/2017</a:t>
             </a:fld>
             <a:endParaRPr lang="en-GB"/>
           </a:p>
@@ -763,7 +763,7 @@
           <a:p>
             <a:fld id="{266A6FFA-CCBE-43ED-9B11-EADFC1FE3F65}" type="datetimeFigureOut">
               <a:rPr lang="en-GB" smtClean="0"/>
-              <a:t>13/02/2017</a:t>
+              <a:t>14/02/2017</a:t>
             </a:fld>
             <a:endParaRPr lang="en-GB"/>
           </a:p>
@@ -1009,7 +1009,7 @@
           <a:p>
             <a:fld id="{266A6FFA-CCBE-43ED-9B11-EADFC1FE3F65}" type="datetimeFigureOut">
               <a:rPr lang="en-GB" smtClean="0"/>
-              <a:t>13/02/2017</a:t>
+              <a:t>14/02/2017</a:t>
             </a:fld>
             <a:endParaRPr lang="en-GB"/>
           </a:p>
@@ -1241,7 +1241,7 @@
           <a:p>
             <a:fld id="{266A6FFA-CCBE-43ED-9B11-EADFC1FE3F65}" type="datetimeFigureOut">
               <a:rPr lang="en-GB" smtClean="0"/>
-              <a:t>13/02/2017</a:t>
+              <a:t>14/02/2017</a:t>
             </a:fld>
             <a:endParaRPr lang="en-GB"/>
           </a:p>
@@ -1608,7 +1608,7 @@
           <a:p>
             <a:fld id="{266A6FFA-CCBE-43ED-9B11-EADFC1FE3F65}" type="datetimeFigureOut">
               <a:rPr lang="en-GB" smtClean="0"/>
-              <a:t>13/02/2017</a:t>
+              <a:t>14/02/2017</a:t>
             </a:fld>
             <a:endParaRPr lang="en-GB"/>
           </a:p>
@@ -1726,7 +1726,7 @@
           <a:p>
             <a:fld id="{266A6FFA-CCBE-43ED-9B11-EADFC1FE3F65}" type="datetimeFigureOut">
               <a:rPr lang="en-GB" smtClean="0"/>
-              <a:t>13/02/2017</a:t>
+              <a:t>14/02/2017</a:t>
             </a:fld>
             <a:endParaRPr lang="en-GB"/>
           </a:p>
@@ -1821,7 +1821,7 @@
           <a:p>
             <a:fld id="{266A6FFA-CCBE-43ED-9B11-EADFC1FE3F65}" type="datetimeFigureOut">
               <a:rPr lang="en-GB" smtClean="0"/>
-              <a:t>13/02/2017</a:t>
+              <a:t>14/02/2017</a:t>
             </a:fld>
             <a:endParaRPr lang="en-GB"/>
           </a:p>
@@ -2098,7 +2098,7 @@
           <a:p>
             <a:fld id="{266A6FFA-CCBE-43ED-9B11-EADFC1FE3F65}" type="datetimeFigureOut">
               <a:rPr lang="en-GB" smtClean="0"/>
-              <a:t>13/02/2017</a:t>
+              <a:t>14/02/2017</a:t>
             </a:fld>
             <a:endParaRPr lang="en-GB"/>
           </a:p>
@@ -2351,7 +2351,7 @@
           <a:p>
             <a:fld id="{266A6FFA-CCBE-43ED-9B11-EADFC1FE3F65}" type="datetimeFigureOut">
               <a:rPr lang="en-GB" smtClean="0"/>
-              <a:t>13/02/2017</a:t>
+              <a:t>14/02/2017</a:t>
             </a:fld>
             <a:endParaRPr lang="en-GB"/>
           </a:p>
@@ -2564,7 +2564,7 @@
           <a:p>
             <a:fld id="{266A6FFA-CCBE-43ED-9B11-EADFC1FE3F65}" type="datetimeFigureOut">
               <a:rPr lang="en-GB" smtClean="0"/>
-              <a:t>13/02/2017</a:t>
+              <a:t>14/02/2017</a:t>
             </a:fld>
             <a:endParaRPr lang="en-GB"/>
           </a:p>
@@ -3022,7 +3022,7 @@
       </p:sp>
       <p:pic>
         <p:nvPicPr>
-          <p:cNvPr id="8" name="Picture 7"/>
+          <p:cNvPr id="6" name="Picture 5"/>
           <p:cNvPicPr>
             <a:picLocks noChangeAspect="1"/>
           </p:cNvPicPr>
@@ -3042,8 +3042,38 @@
         </p:blipFill>
         <p:spPr>
           <a:xfrm>
-            <a:off x="1085070" y="2592152"/>
-            <a:ext cx="3938993" cy="5089138"/>
+            <a:off x="1741743" y="2428866"/>
+            <a:ext cx="2625643" cy="8752142"/>
+          </a:xfrm>
+          <a:prstGeom prst="rect">
+            <a:avLst/>
+          </a:prstGeom>
+        </p:spPr>
+      </p:pic>
+      <p:pic>
+        <p:nvPicPr>
+          <p:cNvPr id="7" name="Picture 6"/>
+          <p:cNvPicPr>
+            <a:picLocks noChangeAspect="1"/>
+          </p:cNvPicPr>
+          <p:nvPr/>
+        </p:nvPicPr>
+        <p:blipFill>
+          <a:blip r:embed="rId3">
+            <a:extLst>
+              <a:ext uri="{28A0092B-C50C-407E-A947-70E740481C1C}">
+                <a14:useLocalDpi xmlns:a14="http://schemas.microsoft.com/office/drawing/2010/main" val="0"/>
+              </a:ext>
+            </a:extLst>
+          </a:blip>
+          <a:stretch>
+            <a:fillRect/>
+          </a:stretch>
+        </p:blipFill>
+        <p:spPr>
+          <a:xfrm>
+            <a:off x="8229718" y="551429"/>
+            <a:ext cx="2602382" cy="8791832"/>
           </a:xfrm>
           <a:prstGeom prst="rect">
             <a:avLst/>

--- a/Documents/Presentatie/Theseus Pres.pptx
+++ b/Documents/Presentatie/Theseus Pres.pptx
@@ -6,6 +6,7 @@
   </p:sldMasterIdLst>
   <p:sldIdLst>
     <p:sldId id="256" r:id="rId2"/>
+    <p:sldId id="257" r:id="rId3"/>
   </p:sldIdLst>
   <p:sldSz cx="12192000" cy="6858000"/>
   <p:notesSz cx="6858000" cy="9144000"/>
@@ -2979,50 +2980,9 @@
           <a:chExt cx="0" cy="0"/>
         </a:xfrm>
       </p:grpSpPr>
-      <p:sp>
-        <p:nvSpPr>
-          <p:cNvPr id="4" name="TextBox 3"/>
-          <p:cNvSpPr txBox="1"/>
-          <p:nvPr/>
-        </p:nvSpPr>
-        <p:spPr>
-          <a:xfrm>
-            <a:off x="198192" y="551429"/>
-            <a:ext cx="5712747" cy="1877437"/>
-          </a:xfrm>
-          <a:prstGeom prst="rect">
-            <a:avLst/>
-          </a:prstGeom>
-          <a:noFill/>
-        </p:spPr>
-        <p:txBody>
-          <a:bodyPr wrap="square" rtlCol="0" anchor="b" anchorCtr="0">
-            <a:spAutoFit/>
-          </a:bodyPr>
-          <a:lstStyle/>
-          <a:p>
-            <a:pPr algn="ctr"/>
-            <a:r>
-              <a:rPr lang="en-GB" sz="3600" dirty="0">
-                <a:latin typeface="GreekHouseSymbolized" panose="02000000000000000000" pitchFamily="2" charset="0"/>
-              </a:rPr>
-              <a:t>The Adventures of</a:t>
-            </a:r>
-          </a:p>
-          <a:p>
-            <a:pPr algn="ctr"/>
-            <a:r>
-              <a:rPr lang="en-GB" sz="8000" dirty="0">
-                <a:latin typeface="GreekHouseSymbolized" panose="02000000000000000000" pitchFamily="2" charset="0"/>
-              </a:rPr>
-              <a:t>Theseus</a:t>
-            </a:r>
-          </a:p>
-        </p:txBody>
-      </p:sp>
       <p:pic>
         <p:nvPicPr>
-          <p:cNvPr id="6" name="Picture 5"/>
+          <p:cNvPr id="13" name="Picture 12"/>
           <p:cNvPicPr>
             <a:picLocks noChangeAspect="1"/>
           </p:cNvPicPr>
@@ -3042,8 +3002,323 @@
         </p:blipFill>
         <p:spPr>
           <a:xfrm>
-            <a:off x="1741743" y="2428866"/>
-            <a:ext cx="2625643" cy="8752142"/>
+            <a:off x="1448928" y="2974608"/>
+            <a:ext cx="2388128" cy="7960426"/>
+          </a:xfrm>
+          <a:prstGeom prst="rect">
+            <a:avLst/>
+          </a:prstGeom>
+        </p:spPr>
+      </p:pic>
+      <p:sp>
+        <p:nvSpPr>
+          <p:cNvPr id="4" name="TextBox 3"/>
+          <p:cNvSpPr txBox="1"/>
+          <p:nvPr/>
+        </p:nvSpPr>
+        <p:spPr>
+          <a:xfrm>
+            <a:off x="234460" y="543173"/>
+            <a:ext cx="4817065" cy="2431435"/>
+          </a:xfrm>
+          <a:prstGeom prst="rect">
+            <a:avLst/>
+          </a:prstGeom>
+          <a:noFill/>
+        </p:spPr>
+        <p:txBody>
+          <a:bodyPr wrap="square" rtlCol="0" anchor="b" anchorCtr="0">
+            <a:spAutoFit/>
+          </a:bodyPr>
+          <a:lstStyle/>
+          <a:p>
+            <a:pPr algn="ctr"/>
+            <a:r>
+              <a:rPr lang="en-GB" sz="3600" dirty="0">
+                <a:latin typeface="GreekHouseSymbolized" panose="02000000000000000000" pitchFamily="2" charset="0"/>
+              </a:rPr>
+              <a:t>The Adventures of</a:t>
+            </a:r>
+          </a:p>
+          <a:p>
+            <a:pPr algn="ctr"/>
+            <a:r>
+              <a:rPr lang="en-GB" sz="8000" dirty="0">
+                <a:latin typeface="GreekHouseSymbolized" panose="02000000000000000000" pitchFamily="2" charset="0"/>
+              </a:rPr>
+              <a:t>Theseus</a:t>
+            </a:r>
+          </a:p>
+        </p:txBody>
+      </p:sp>
+    </p:spTree>
+    <p:extLst>
+      <p:ext uri="{BB962C8B-B14F-4D97-AF65-F5344CB8AC3E}">
+        <p14:creationId xmlns:p14="http://schemas.microsoft.com/office/powerpoint/2010/main" val="3219239935"/>
+      </p:ext>
+    </p:extLst>
+  </p:cSld>
+  <p:clrMapOvr>
+    <a:masterClrMapping/>
+  </p:clrMapOvr>
+  <p:timing>
+    <p:tnLst>
+      <p:par>
+        <p:cTn id="1" dur="indefinite" restart="never" nodeType="tmRoot">
+          <p:childTnLst>
+            <p:seq concurrent="1" nextAc="seek">
+              <p:cTn id="2" dur="indefinite" nodeType="mainSeq">
+                <p:childTnLst>
+                  <p:par>
+                    <p:cTn id="3" fill="hold">
+                      <p:stCondLst>
+                        <p:cond delay="indefinite"/>
+                      </p:stCondLst>
+                      <p:childTnLst>
+                        <p:par>
+                          <p:cTn id="4" fill="hold">
+                            <p:stCondLst>
+                              <p:cond delay="0"/>
+                            </p:stCondLst>
+                            <p:childTnLst>
+                              <p:par>
+                                <p:cTn id="5" presetID="2" presetClass="entr" presetSubtype="4" fill="hold" nodeType="clickEffect">
+                                  <p:stCondLst>
+                                    <p:cond delay="0"/>
+                                  </p:stCondLst>
+                                  <p:childTnLst>
+                                    <p:set>
+                                      <p:cBhvr>
+                                        <p:cTn id="6" dur="1" fill="hold">
+                                          <p:stCondLst>
+                                            <p:cond delay="0"/>
+                                          </p:stCondLst>
+                                        </p:cTn>
+                                        <p:tgtEl>
+                                          <p:spTgt spid="4">
+                                            <p:txEl>
+                                              <p:pRg st="1" end="1"/>
+                                            </p:txEl>
+                                          </p:spTgt>
+                                        </p:tgtEl>
+                                        <p:attrNameLst>
+                                          <p:attrName>style.visibility</p:attrName>
+                                        </p:attrNameLst>
+                                      </p:cBhvr>
+                                      <p:to>
+                                        <p:strVal val="visible"/>
+                                      </p:to>
+                                    </p:set>
+                                    <p:anim calcmode="lin" valueType="num">
+                                      <p:cBhvr additive="base">
+                                        <p:cTn id="7" dur="2000" fill="hold"/>
+                                        <p:tgtEl>
+                                          <p:spTgt spid="4">
+                                            <p:txEl>
+                                              <p:pRg st="1" end="1"/>
+                                            </p:txEl>
+                                          </p:spTgt>
+                                        </p:tgtEl>
+                                        <p:attrNameLst>
+                                          <p:attrName>ppt_x</p:attrName>
+                                        </p:attrNameLst>
+                                      </p:cBhvr>
+                                      <p:tavLst>
+                                        <p:tav tm="0">
+                                          <p:val>
+                                            <p:strVal val="#ppt_x"/>
+                                          </p:val>
+                                        </p:tav>
+                                        <p:tav tm="100000">
+                                          <p:val>
+                                            <p:strVal val="#ppt_x"/>
+                                          </p:val>
+                                        </p:tav>
+                                      </p:tavLst>
+                                    </p:anim>
+                                    <p:anim calcmode="lin" valueType="num">
+                                      <p:cBhvr additive="base">
+                                        <p:cTn id="8" dur="2000" fill="hold"/>
+                                        <p:tgtEl>
+                                          <p:spTgt spid="4">
+                                            <p:txEl>
+                                              <p:pRg st="1" end="1"/>
+                                            </p:txEl>
+                                          </p:spTgt>
+                                        </p:tgtEl>
+                                        <p:attrNameLst>
+                                          <p:attrName>ppt_y</p:attrName>
+                                        </p:attrNameLst>
+                                      </p:cBhvr>
+                                      <p:tavLst>
+                                        <p:tav tm="0">
+                                          <p:val>
+                                            <p:strVal val="1+#ppt_h/2"/>
+                                          </p:val>
+                                        </p:tav>
+                                        <p:tav tm="100000">
+                                          <p:val>
+                                            <p:strVal val="#ppt_y"/>
+                                          </p:val>
+                                        </p:tav>
+                                      </p:tavLst>
+                                    </p:anim>
+                                  </p:childTnLst>
+                                </p:cTn>
+                              </p:par>
+                              <p:par>
+                                <p:cTn id="9" presetID="2" presetClass="entr" presetSubtype="4" fill="hold" nodeType="withEffect">
+                                  <p:stCondLst>
+                                    <p:cond delay="570"/>
+                                  </p:stCondLst>
+                                  <p:childTnLst>
+                                    <p:set>
+                                      <p:cBhvr>
+                                        <p:cTn id="10" dur="1" fill="hold">
+                                          <p:stCondLst>
+                                            <p:cond delay="0"/>
+                                          </p:stCondLst>
+                                        </p:cTn>
+                                        <p:tgtEl>
+                                          <p:spTgt spid="13"/>
+                                        </p:tgtEl>
+                                        <p:attrNameLst>
+                                          <p:attrName>style.visibility</p:attrName>
+                                        </p:attrNameLst>
+                                      </p:cBhvr>
+                                      <p:to>
+                                        <p:strVal val="visible"/>
+                                      </p:to>
+                                    </p:set>
+                                    <p:anim calcmode="lin" valueType="num">
+                                      <p:cBhvr additive="base">
+                                        <p:cTn id="11" dur="1400" fill="hold"/>
+                                        <p:tgtEl>
+                                          <p:spTgt spid="13"/>
+                                        </p:tgtEl>
+                                        <p:attrNameLst>
+                                          <p:attrName>ppt_x</p:attrName>
+                                        </p:attrNameLst>
+                                      </p:cBhvr>
+                                      <p:tavLst>
+                                        <p:tav tm="0">
+                                          <p:val>
+                                            <p:strVal val="#ppt_x"/>
+                                          </p:val>
+                                        </p:tav>
+                                        <p:tav tm="100000">
+                                          <p:val>
+                                            <p:strVal val="#ppt_x"/>
+                                          </p:val>
+                                        </p:tav>
+                                      </p:tavLst>
+                                    </p:anim>
+                                    <p:anim calcmode="lin" valueType="num">
+                                      <p:cBhvr additive="base">
+                                        <p:cTn id="12" dur="1400" fill="hold"/>
+                                        <p:tgtEl>
+                                          <p:spTgt spid="13"/>
+                                        </p:tgtEl>
+                                        <p:attrNameLst>
+                                          <p:attrName>ppt_y</p:attrName>
+                                        </p:attrNameLst>
+                                      </p:cBhvr>
+                                      <p:tavLst>
+                                        <p:tav tm="0">
+                                          <p:val>
+                                            <p:strVal val="1+#ppt_h/2"/>
+                                          </p:val>
+                                        </p:tav>
+                                        <p:tav tm="100000">
+                                          <p:val>
+                                            <p:strVal val="#ppt_y"/>
+                                          </p:val>
+                                        </p:tav>
+                                      </p:tavLst>
+                                    </p:anim>
+                                  </p:childTnLst>
+                                </p:cTn>
+                              </p:par>
+                            </p:childTnLst>
+                          </p:cTn>
+                        </p:par>
+                      </p:childTnLst>
+                    </p:cTn>
+                  </p:par>
+                </p:childTnLst>
+              </p:cTn>
+              <p:prevCondLst>
+                <p:cond evt="onPrev" delay="0">
+                  <p:tgtEl>
+                    <p:sldTgt/>
+                  </p:tgtEl>
+                </p:cond>
+              </p:prevCondLst>
+              <p:nextCondLst>
+                <p:cond evt="onNext" delay="0">
+                  <p:tgtEl>
+                    <p:sldTgt/>
+                  </p:tgtEl>
+                </p:cond>
+              </p:nextCondLst>
+            </p:seq>
+          </p:childTnLst>
+        </p:cTn>
+      </p:par>
+    </p:tnLst>
+  </p:timing>
+</p:sld>
+</file>
+
+<file path=ppt/slides/slide2.xml><?xml version="1.0" encoding="utf-8"?>
+<p:sld xmlns:a="http://schemas.openxmlformats.org/drawingml/2006/main" xmlns:r="http://schemas.openxmlformats.org/officeDocument/2006/relationships" xmlns:p="http://schemas.openxmlformats.org/presentationml/2006/main">
+  <p:cSld>
+    <p:bg>
+      <p:bgPr>
+        <a:solidFill>
+          <a:srgbClr val="F6F6F6"/>
+        </a:solidFill>
+        <a:effectLst/>
+      </p:bgPr>
+    </p:bg>
+    <p:spTree>
+      <p:nvGrpSpPr>
+        <p:cNvPr id="1" name=""/>
+        <p:cNvGrpSpPr/>
+        <p:nvPr/>
+      </p:nvGrpSpPr>
+      <p:grpSpPr>
+        <a:xfrm>
+          <a:off x="0" y="0"/>
+          <a:ext cx="0" cy="0"/>
+          <a:chOff x="0" y="0"/>
+          <a:chExt cx="0" cy="0"/>
+        </a:xfrm>
+      </p:grpSpPr>
+      <p:pic>
+        <p:nvPicPr>
+          <p:cNvPr id="25" name="Picture 24"/>
+          <p:cNvPicPr>
+            <a:picLocks noChangeAspect="1"/>
+          </p:cNvPicPr>
+          <p:nvPr/>
+        </p:nvPicPr>
+        <p:blipFill>
+          <a:blip r:embed="rId2">
+            <a:extLst>
+              <a:ext uri="{28A0092B-C50C-407E-A947-70E740481C1C}">
+                <a14:useLocalDpi xmlns:a14="http://schemas.microsoft.com/office/drawing/2010/main" val="0"/>
+              </a:ext>
+            </a:extLst>
+          </a:blip>
+          <a:stretch>
+            <a:fillRect/>
+          </a:stretch>
+        </p:blipFill>
+        <p:spPr>
+          <a:xfrm>
+            <a:off x="0" y="277844"/>
+            <a:ext cx="1879365" cy="6349206"/>
           </a:xfrm>
           <a:prstGeom prst="rect">
             <a:avLst/>
@@ -3052,7 +3327,7 @@
       </p:pic>
       <p:pic>
         <p:nvPicPr>
-          <p:cNvPr id="7" name="Picture 6"/>
+          <p:cNvPr id="26" name="Picture 25"/>
           <p:cNvPicPr>
             <a:picLocks noChangeAspect="1"/>
           </p:cNvPicPr>
@@ -3072,24 +3347,442 @@
         </p:blipFill>
         <p:spPr>
           <a:xfrm>
-            <a:off x="8229718" y="551429"/>
-            <a:ext cx="2602382" cy="8791832"/>
+            <a:off x="10287238" y="277844"/>
+            <a:ext cx="1904762" cy="6349206"/>
           </a:xfrm>
           <a:prstGeom prst="rect">
             <a:avLst/>
           </a:prstGeom>
         </p:spPr>
       </p:pic>
+      <p:sp>
+        <p:nvSpPr>
+          <p:cNvPr id="27" name="TextBox 26"/>
+          <p:cNvSpPr txBox="1"/>
+          <p:nvPr/>
+        </p:nvSpPr>
+        <p:spPr>
+          <a:xfrm>
+            <a:off x="3674769" y="277844"/>
+            <a:ext cx="4817065" cy="646331"/>
+          </a:xfrm>
+          <a:prstGeom prst="rect">
+            <a:avLst/>
+          </a:prstGeom>
+          <a:noFill/>
+        </p:spPr>
+        <p:txBody>
+          <a:bodyPr wrap="square" rtlCol="0" anchor="b" anchorCtr="0">
+            <a:spAutoFit/>
+          </a:bodyPr>
+          <a:lstStyle/>
+          <a:p>
+            <a:pPr algn="ctr"/>
+            <a:r>
+              <a:rPr lang="en-GB" sz="3600" dirty="0" err="1">
+                <a:latin typeface="GreekHouseSymbolized" panose="02000000000000000000" pitchFamily="2" charset="0"/>
+              </a:rPr>
+              <a:t>Ons</a:t>
+            </a:r>
+            <a:r>
+              <a:rPr lang="en-GB" sz="3600" dirty="0">
+                <a:latin typeface="GreekHouseSymbolized" panose="02000000000000000000" pitchFamily="2" charset="0"/>
+              </a:rPr>
+              <a:t> Team</a:t>
+            </a:r>
+            <a:endParaRPr lang="en-GB" sz="8000" dirty="0">
+              <a:latin typeface="GreekHouseSymbolized" panose="02000000000000000000" pitchFamily="2" charset="0"/>
+            </a:endParaRPr>
+          </a:p>
+        </p:txBody>
+      </p:sp>
+      <p:sp>
+        <p:nvSpPr>
+          <p:cNvPr id="29" name="TextBox 28"/>
+          <p:cNvSpPr txBox="1"/>
+          <p:nvPr/>
+        </p:nvSpPr>
+        <p:spPr>
+          <a:xfrm>
+            <a:off x="2649560" y="1928953"/>
+            <a:ext cx="2039672" cy="3046988"/>
+          </a:xfrm>
+          <a:prstGeom prst="rect">
+            <a:avLst/>
+          </a:prstGeom>
+          <a:noFill/>
+        </p:spPr>
+        <p:txBody>
+          <a:bodyPr wrap="square" rtlCol="0" anchor="b" anchorCtr="0">
+            <a:spAutoFit/>
+          </a:bodyPr>
+          <a:lstStyle/>
+          <a:p>
+            <a:r>
+              <a:rPr lang="en-GB" sz="3200" dirty="0">
+                <a:latin typeface="Adobe Garamond Pro Bold" panose="02020702060506020403" pitchFamily="18" charset="0"/>
+              </a:rPr>
+              <a:t>David</a:t>
+            </a:r>
+          </a:p>
+          <a:p>
+            <a:r>
+              <a:rPr lang="en-GB" sz="3200" dirty="0" err="1">
+                <a:latin typeface="Adobe Garamond Pro Bold" panose="02020702060506020403" pitchFamily="18" charset="0"/>
+              </a:rPr>
+              <a:t>Maaike</a:t>
+            </a:r>
+            <a:endParaRPr lang="en-GB" sz="3200" dirty="0">
+              <a:latin typeface="Adobe Garamond Pro Bold" panose="02020702060506020403" pitchFamily="18" charset="0"/>
+            </a:endParaRPr>
+          </a:p>
+          <a:p>
+            <a:r>
+              <a:rPr lang="en-GB" sz="3200" dirty="0">
+                <a:latin typeface="Adobe Garamond Pro Bold" panose="02020702060506020403" pitchFamily="18" charset="0"/>
+              </a:rPr>
+              <a:t>Walter</a:t>
+            </a:r>
+          </a:p>
+          <a:p>
+            <a:r>
+              <a:rPr lang="en-GB" sz="3200" dirty="0" err="1">
+                <a:latin typeface="Adobe Garamond Pro Bold" panose="02020702060506020403" pitchFamily="18" charset="0"/>
+              </a:rPr>
+              <a:t>Gerwin</a:t>
+            </a:r>
+            <a:endParaRPr lang="en-GB" sz="3200" dirty="0">
+              <a:latin typeface="Adobe Garamond Pro Bold" panose="02020702060506020403" pitchFamily="18" charset="0"/>
+            </a:endParaRPr>
+          </a:p>
+          <a:p>
+            <a:r>
+              <a:rPr lang="en-GB" sz="3200" dirty="0" err="1">
+                <a:latin typeface="Adobe Garamond Pro Bold" panose="02020702060506020403" pitchFamily="18" charset="0"/>
+              </a:rPr>
+              <a:t>Janneke</a:t>
+            </a:r>
+            <a:endParaRPr lang="en-GB" sz="3200" dirty="0">
+              <a:latin typeface="Adobe Garamond Pro Bold" panose="02020702060506020403" pitchFamily="18" charset="0"/>
+            </a:endParaRPr>
+          </a:p>
+          <a:p>
+            <a:r>
+              <a:rPr lang="en-GB" sz="3200" dirty="0" err="1">
+                <a:latin typeface="Adobe Garamond Pro Bold" panose="02020702060506020403" pitchFamily="18" charset="0"/>
+              </a:rPr>
+              <a:t>Rilana</a:t>
+            </a:r>
+            <a:endParaRPr lang="en-GB" sz="3200" dirty="0">
+              <a:latin typeface="Adobe Garamond Pro Bold" panose="02020702060506020403" pitchFamily="18" charset="0"/>
+            </a:endParaRPr>
+          </a:p>
+        </p:txBody>
+      </p:sp>
+      <p:sp>
+        <p:nvSpPr>
+          <p:cNvPr id="30" name="TextBox 29"/>
+          <p:cNvSpPr txBox="1"/>
+          <p:nvPr/>
+        </p:nvSpPr>
+        <p:spPr>
+          <a:xfrm>
+            <a:off x="5574773" y="1928953"/>
+            <a:ext cx="3870567" cy="3046988"/>
+          </a:xfrm>
+          <a:prstGeom prst="rect">
+            <a:avLst/>
+          </a:prstGeom>
+          <a:noFill/>
+        </p:spPr>
+        <p:txBody>
+          <a:bodyPr wrap="square" rtlCol="0" anchor="b" anchorCtr="0">
+            <a:spAutoFit/>
+          </a:bodyPr>
+          <a:lstStyle/>
+          <a:p>
+            <a:pPr algn="r"/>
+            <a:r>
+              <a:rPr lang="en-GB" sz="3200" dirty="0">
+                <a:latin typeface="Adobe Garamond Pro Bold" panose="02020702060506020403" pitchFamily="18" charset="0"/>
+              </a:rPr>
+              <a:t>Producer</a:t>
+            </a:r>
+          </a:p>
+          <a:p>
+            <a:pPr algn="r"/>
+            <a:r>
+              <a:rPr lang="en-GB" sz="3200" dirty="0">
+                <a:latin typeface="Adobe Garamond Pro Bold" panose="02020702060506020403" pitchFamily="18" charset="0"/>
+              </a:rPr>
+              <a:t>Lead Artist</a:t>
+            </a:r>
+          </a:p>
+          <a:p>
+            <a:pPr algn="r"/>
+            <a:r>
+              <a:rPr lang="en-GB" sz="3200" dirty="0">
+                <a:latin typeface="Adobe Garamond Pro Bold" panose="02020702060506020403" pitchFamily="18" charset="0"/>
+              </a:rPr>
+              <a:t>Lead Developer</a:t>
+            </a:r>
+          </a:p>
+          <a:p>
+            <a:pPr algn="r"/>
+            <a:r>
+              <a:rPr lang="en-GB" sz="3200" dirty="0">
+                <a:latin typeface="Adobe Garamond Pro Bold" panose="02020702060506020403" pitchFamily="18" charset="0"/>
+              </a:rPr>
+              <a:t>Level Design</a:t>
+            </a:r>
+          </a:p>
+          <a:p>
+            <a:pPr algn="r"/>
+            <a:r>
+              <a:rPr lang="en-GB" sz="3200" dirty="0">
+                <a:latin typeface="Adobe Garamond Pro Bold" panose="02020702060506020403" pitchFamily="18" charset="0"/>
+              </a:rPr>
+              <a:t>UX</a:t>
+            </a:r>
+          </a:p>
+          <a:p>
+            <a:pPr algn="r"/>
+            <a:r>
+              <a:rPr lang="en-GB" sz="3200" dirty="0">
+                <a:latin typeface="Adobe Garamond Pro Bold" panose="02020702060506020403" pitchFamily="18" charset="0"/>
+              </a:rPr>
+              <a:t>QA</a:t>
+            </a:r>
+          </a:p>
+        </p:txBody>
+      </p:sp>
     </p:spTree>
     <p:extLst>
       <p:ext uri="{BB962C8B-B14F-4D97-AF65-F5344CB8AC3E}">
-        <p14:creationId xmlns:p14="http://schemas.microsoft.com/office/powerpoint/2010/main" val="3219239935"/>
+        <p14:creationId xmlns:p14="http://schemas.microsoft.com/office/powerpoint/2010/main" val="217938624"/>
       </p:ext>
     </p:extLst>
   </p:cSld>
   <p:clrMapOvr>
     <a:masterClrMapping/>
   </p:clrMapOvr>
+  <p:transition spd="slow">
+    <p:push/>
+  </p:transition>
+  <p:timing>
+    <p:tnLst>
+      <p:par>
+        <p:cTn id="1" dur="indefinite" restart="never" nodeType="tmRoot">
+          <p:childTnLst>
+            <p:seq concurrent="1" nextAc="seek">
+              <p:cTn id="2" dur="indefinite" nodeType="mainSeq">
+                <p:childTnLst>
+                  <p:par>
+                    <p:cTn id="3" fill="hold">
+                      <p:stCondLst>
+                        <p:cond delay="indefinite"/>
+                      </p:stCondLst>
+                      <p:childTnLst>
+                        <p:par>
+                          <p:cTn id="4" fill="hold">
+                            <p:stCondLst>
+                              <p:cond delay="0"/>
+                            </p:stCondLst>
+                            <p:childTnLst>
+                              <p:par>
+                                <p:cTn id="5" presetID="42" presetClass="entr" presetSubtype="0" fill="hold" grpId="0" nodeType="clickEffect">
+                                  <p:stCondLst>
+                                    <p:cond delay="0"/>
+                                  </p:stCondLst>
+                                  <p:childTnLst>
+                                    <p:set>
+                                      <p:cBhvr>
+                                        <p:cTn id="6" dur="1" fill="hold">
+                                          <p:stCondLst>
+                                            <p:cond delay="0"/>
+                                          </p:stCondLst>
+                                        </p:cTn>
+                                        <p:tgtEl>
+                                          <p:spTgt spid="30"/>
+                                        </p:tgtEl>
+                                        <p:attrNameLst>
+                                          <p:attrName>style.visibility</p:attrName>
+                                        </p:attrNameLst>
+                                      </p:cBhvr>
+                                      <p:to>
+                                        <p:strVal val="visible"/>
+                                      </p:to>
+                                    </p:set>
+                                    <p:animEffect transition="in" filter="fade">
+                                      <p:cBhvr>
+                                        <p:cTn id="7" dur="1000"/>
+                                        <p:tgtEl>
+                                          <p:spTgt spid="30"/>
+                                        </p:tgtEl>
+                                      </p:cBhvr>
+                                    </p:animEffect>
+                                    <p:anim calcmode="lin" valueType="num">
+                                      <p:cBhvr>
+                                        <p:cTn id="8" dur="1000" fill="hold"/>
+                                        <p:tgtEl>
+                                          <p:spTgt spid="30"/>
+                                        </p:tgtEl>
+                                        <p:attrNameLst>
+                                          <p:attrName>ppt_x</p:attrName>
+                                        </p:attrNameLst>
+                                      </p:cBhvr>
+                                      <p:tavLst>
+                                        <p:tav tm="0">
+                                          <p:val>
+                                            <p:strVal val="#ppt_x"/>
+                                          </p:val>
+                                        </p:tav>
+                                        <p:tav tm="100000">
+                                          <p:val>
+                                            <p:strVal val="#ppt_x"/>
+                                          </p:val>
+                                        </p:tav>
+                                      </p:tavLst>
+                                    </p:anim>
+                                    <p:anim calcmode="lin" valueType="num">
+                                      <p:cBhvr>
+                                        <p:cTn id="9" dur="1000" fill="hold"/>
+                                        <p:tgtEl>
+                                          <p:spTgt spid="30"/>
+                                        </p:tgtEl>
+                                        <p:attrNameLst>
+                                          <p:attrName>ppt_y</p:attrName>
+                                        </p:attrNameLst>
+                                      </p:cBhvr>
+                                      <p:tavLst>
+                                        <p:tav tm="0">
+                                          <p:val>
+                                            <p:strVal val="#ppt_y+.1"/>
+                                          </p:val>
+                                        </p:tav>
+                                        <p:tav tm="100000">
+                                          <p:val>
+                                            <p:strVal val="#ppt_y"/>
+                                          </p:val>
+                                        </p:tav>
+                                      </p:tavLst>
+                                    </p:anim>
+                                  </p:childTnLst>
+                                </p:cTn>
+                              </p:par>
+                              <p:par>
+                                <p:cTn id="10" presetID="42" presetClass="entr" presetSubtype="0" fill="hold" grpId="0" nodeType="withEffect">
+                                  <p:stCondLst>
+                                    <p:cond delay="0"/>
+                                  </p:stCondLst>
+                                  <p:childTnLst>
+                                    <p:set>
+                                      <p:cBhvr>
+                                        <p:cTn id="11" dur="1" fill="hold">
+                                          <p:stCondLst>
+                                            <p:cond delay="0"/>
+                                          </p:stCondLst>
+                                        </p:cTn>
+                                        <p:tgtEl>
+                                          <p:spTgt spid="29"/>
+                                        </p:tgtEl>
+                                        <p:attrNameLst>
+                                          <p:attrName>style.visibility</p:attrName>
+                                        </p:attrNameLst>
+                                      </p:cBhvr>
+                                      <p:to>
+                                        <p:strVal val="visible"/>
+                                      </p:to>
+                                    </p:set>
+                                    <p:animEffect transition="in" filter="fade">
+                                      <p:cBhvr>
+                                        <p:cTn id="12" dur="1000"/>
+                                        <p:tgtEl>
+                                          <p:spTgt spid="29"/>
+                                        </p:tgtEl>
+                                      </p:cBhvr>
+                                    </p:animEffect>
+                                    <p:anim calcmode="lin" valueType="num">
+                                      <p:cBhvr>
+                                        <p:cTn id="13" dur="1000" fill="hold"/>
+                                        <p:tgtEl>
+                                          <p:spTgt spid="29"/>
+                                        </p:tgtEl>
+                                        <p:attrNameLst>
+                                          <p:attrName>ppt_x</p:attrName>
+                                        </p:attrNameLst>
+                                      </p:cBhvr>
+                                      <p:tavLst>
+                                        <p:tav tm="0">
+                                          <p:val>
+                                            <p:strVal val="#ppt_x"/>
+                                          </p:val>
+                                        </p:tav>
+                                        <p:tav tm="100000">
+                                          <p:val>
+                                            <p:strVal val="#ppt_x"/>
+                                          </p:val>
+                                        </p:tav>
+                                      </p:tavLst>
+                                    </p:anim>
+                                    <p:anim calcmode="lin" valueType="num">
+                                      <p:cBhvr>
+                                        <p:cTn id="14" dur="1000" fill="hold"/>
+                                        <p:tgtEl>
+                                          <p:spTgt spid="29"/>
+                                        </p:tgtEl>
+                                        <p:attrNameLst>
+                                          <p:attrName>ppt_y</p:attrName>
+                                        </p:attrNameLst>
+                                      </p:cBhvr>
+                                      <p:tavLst>
+                                        <p:tav tm="0">
+                                          <p:val>
+                                            <p:strVal val="#ppt_y+.1"/>
+                                          </p:val>
+                                        </p:tav>
+                                        <p:tav tm="100000">
+                                          <p:val>
+                                            <p:strVal val="#ppt_y"/>
+                                          </p:val>
+                                        </p:tav>
+                                      </p:tavLst>
+                                    </p:anim>
+                                  </p:childTnLst>
+                                </p:cTn>
+                              </p:par>
+                            </p:childTnLst>
+                          </p:cTn>
+                        </p:par>
+                      </p:childTnLst>
+                    </p:cTn>
+                  </p:par>
+                </p:childTnLst>
+              </p:cTn>
+              <p:prevCondLst>
+                <p:cond evt="onPrev" delay="0">
+                  <p:tgtEl>
+                    <p:sldTgt/>
+                  </p:tgtEl>
+                </p:cond>
+              </p:prevCondLst>
+              <p:nextCondLst>
+                <p:cond evt="onNext" delay="0">
+                  <p:tgtEl>
+                    <p:sldTgt/>
+                  </p:tgtEl>
+                </p:cond>
+              </p:nextCondLst>
+            </p:seq>
+          </p:childTnLst>
+        </p:cTn>
+      </p:par>
+    </p:tnLst>
+    <p:bldLst>
+      <p:bldP spid="29" grpId="0"/>
+      <p:bldP spid="30" grpId="0"/>
+    </p:bldLst>
+  </p:timing>
 </p:sld>
 </file>
 
